--- a/presentasion/Feo_correction.pptx
+++ b/presentasion/Feo_correction.pptx
@@ -8,10 +8,10 @@
     <p:sldMasterId id="2147483724" r:id="rId4"/>
   </p:sldMasterIdLst>
   <p:notesMasterIdLst>
-    <p:notesMasterId r:id="rId20"/>
+    <p:notesMasterId r:id="rId21"/>
   </p:notesMasterIdLst>
   <p:handoutMasterIdLst>
-    <p:handoutMasterId r:id="rId21"/>
+    <p:handoutMasterId r:id="rId22"/>
   </p:handoutMasterIdLst>
   <p:sldIdLst>
     <p:sldId id="446" r:id="rId5"/>
@@ -29,6 +29,7 @@
     <p:sldId id="458" r:id="rId17"/>
     <p:sldId id="459" r:id="rId18"/>
     <p:sldId id="460" r:id="rId19"/>
+    <p:sldId id="461" r:id="rId20"/>
   </p:sldIdLst>
   <p:sldSz cx="12192000" cy="6858000"/>
   <p:notesSz cx="6858000" cy="9144000"/>
@@ -1307,6 +1308,90 @@
     <p:extLst>
       <p:ext uri="{BB962C8B-B14F-4D97-AF65-F5344CB8AC3E}">
         <p14:creationId xmlns:p14="http://schemas.microsoft.com/office/powerpoint/2010/main" val="3083503446"/>
+      </p:ext>
+    </p:extLst>
+  </p:cSld>
+  <p:clrMapOvr>
+    <a:masterClrMapping/>
+  </p:clrMapOvr>
+</p:notes>
+</file>
+
+<file path=ppt/notesSlides/notesSlide16.xml><?xml version="1.0" encoding="utf-8"?>
+<p:notes xmlns:a="http://schemas.openxmlformats.org/drawingml/2006/main" xmlns:r="http://schemas.openxmlformats.org/officeDocument/2006/relationships" xmlns:p="http://schemas.openxmlformats.org/presentationml/2006/main">
+  <p:cSld>
+    <p:spTree>
+      <p:nvGrpSpPr>
+        <p:cNvPr id="1" name=""/>
+        <p:cNvGrpSpPr/>
+        <p:nvPr/>
+      </p:nvGrpSpPr>
+      <p:grpSpPr>
+        <a:xfrm>
+          <a:off x="0" y="0"/>
+          <a:ext cx="0" cy="0"/>
+          <a:chOff x="0" y="0"/>
+          <a:chExt cx="0" cy="0"/>
+        </a:xfrm>
+      </p:grpSpPr>
+      <p:sp>
+        <p:nvSpPr>
+          <p:cNvPr id="2" name="Slide Image Placeholder 1"/>
+          <p:cNvSpPr>
+            <a:spLocks noGrp="1" noRot="1" noChangeAspect="1"/>
+          </p:cNvSpPr>
+          <p:nvPr>
+            <p:ph type="sldImg"/>
+          </p:nvPr>
+        </p:nvSpPr>
+        <p:spPr/>
+      </p:sp>
+      <p:sp>
+        <p:nvSpPr>
+          <p:cNvPr id="3" name="Notes Placeholder 2"/>
+          <p:cNvSpPr>
+            <a:spLocks noGrp="1"/>
+          </p:cNvSpPr>
+          <p:nvPr>
+            <p:ph type="body" idx="1"/>
+          </p:nvPr>
+        </p:nvSpPr>
+        <p:spPr/>
+        <p:txBody>
+          <a:bodyPr/>
+          <a:lstStyle/>
+          <a:p>
+            <a:endParaRPr lang="en-US" dirty="0"/>
+          </a:p>
+        </p:txBody>
+      </p:sp>
+      <p:sp>
+        <p:nvSpPr>
+          <p:cNvPr id="4" name="Slide Number Placeholder 3"/>
+          <p:cNvSpPr>
+            <a:spLocks noGrp="1"/>
+          </p:cNvSpPr>
+          <p:nvPr>
+            <p:ph type="sldNum" sz="quarter" idx="5"/>
+          </p:nvPr>
+        </p:nvSpPr>
+        <p:spPr/>
+        <p:txBody>
+          <a:bodyPr/>
+          <a:lstStyle/>
+          <a:p>
+            <a:fld id="{6B83F1C3-4FA3-4491-97F4-43CA9C8BDFDF}" type="slidenum">
+              <a:rPr lang="en-US" smtClean="0"/>
+              <a:t>16</a:t>
+            </a:fld>
+            <a:endParaRPr lang="en-US" dirty="0"/>
+          </a:p>
+        </p:txBody>
+      </p:sp>
+    </p:spTree>
+    <p:extLst>
+      <p:ext uri="{BB962C8B-B14F-4D97-AF65-F5344CB8AC3E}">
+        <p14:creationId xmlns:p14="http://schemas.microsoft.com/office/powerpoint/2010/main" val="2010394381"/>
       </p:ext>
     </p:extLst>
   </p:cSld>
@@ -8804,8 +8889,8 @@
         </p:blipFill>
         <p:spPr>
           <a:xfrm>
-            <a:off x="1209312" y="980804"/>
-            <a:ext cx="5963011" cy="5356603"/>
+            <a:off x="1209312" y="1046498"/>
+            <a:ext cx="5963011" cy="5225214"/>
           </a:xfrm>
           <a:prstGeom prst="rect">
             <a:avLst/>
@@ -9420,7 +9505,7 @@
         <p:spPr>
           <a:xfrm>
             <a:off x="1209312" y="1046498"/>
-            <a:ext cx="5963011" cy="5225214"/>
+            <a:ext cx="5963010" cy="5225214"/>
           </a:xfrm>
           <a:prstGeom prst="rect">
             <a:avLst/>
@@ -10020,8 +10105,8 @@
         </p:blipFill>
         <p:spPr>
           <a:xfrm>
-            <a:off x="1235947" y="1046498"/>
-            <a:ext cx="5909740" cy="5225214"/>
+            <a:off x="1235947" y="1120655"/>
+            <a:ext cx="5909740" cy="5076899"/>
           </a:xfrm>
           <a:prstGeom prst="rect">
             <a:avLst/>
@@ -10614,8 +10699,8 @@
         </p:blipFill>
         <p:spPr>
           <a:xfrm>
-            <a:off x="1235947" y="1057907"/>
-            <a:ext cx="5909740" cy="5202396"/>
+            <a:off x="1235947" y="1132064"/>
+            <a:ext cx="5909740" cy="5054082"/>
           </a:xfrm>
           <a:prstGeom prst="rect">
             <a:avLst/>
@@ -11205,8 +11290,8 @@
         </p:blipFill>
         <p:spPr>
           <a:xfrm>
-            <a:off x="1280621" y="1057907"/>
-            <a:ext cx="5820391" cy="5202396"/>
+            <a:off x="1280621" y="1159034"/>
+            <a:ext cx="5820391" cy="5000142"/>
           </a:xfrm>
           <a:prstGeom prst="rect">
             <a:avLst/>
@@ -11803,8 +11888,8 @@
         </p:blipFill>
         <p:spPr>
           <a:xfrm>
-            <a:off x="1280621" y="1074762"/>
-            <a:ext cx="5820391" cy="5168686"/>
+            <a:off x="1280621" y="1159034"/>
+            <a:ext cx="5820391" cy="5000142"/>
           </a:xfrm>
           <a:prstGeom prst="rect">
             <a:avLst/>
@@ -12028,6 +12113,498 @@
 </p:sld>
 </file>
 
+<file path=ppt/slides/slide16.xml><?xml version="1.0" encoding="utf-8"?>
+<p:sld xmlns:a="http://schemas.openxmlformats.org/drawingml/2006/main" xmlns:r="http://schemas.openxmlformats.org/officeDocument/2006/relationships" xmlns:p="http://schemas.openxmlformats.org/presentationml/2006/main">
+  <p:cSld>
+    <p:spTree>
+      <p:nvGrpSpPr>
+        <p:cNvPr id="1" name=""/>
+        <p:cNvGrpSpPr/>
+        <p:nvPr/>
+      </p:nvGrpSpPr>
+      <p:grpSpPr>
+        <a:xfrm>
+          <a:off x="0" y="0"/>
+          <a:ext cx="0" cy="0"/>
+          <a:chOff x="0" y="0"/>
+          <a:chExt cx="0" cy="0"/>
+        </a:xfrm>
+      </p:grpSpPr>
+      <p:pic>
+        <p:nvPicPr>
+          <p:cNvPr id="8" name="Picture Placeholder 7" descr="Abstract image of curvy lines">
+            <a:extLst>
+              <a:ext uri="{FF2B5EF4-FFF2-40B4-BE49-F238E27FC236}">
+                <a16:creationId xmlns:a16="http://schemas.microsoft.com/office/drawing/2014/main" id="{81F59575-96AE-45B0-B1FB-3CFC139E9D12}"/>
+              </a:ext>
+            </a:extLst>
+          </p:cNvPr>
+          <p:cNvPicPr>
+            <a:picLocks noGrp="1" noChangeAspect="1"/>
+          </p:cNvPicPr>
+          <p:nvPr>
+            <p:ph type="pic" sz="quarter" idx="13"/>
+          </p:nvPr>
+        </p:nvPicPr>
+        <p:blipFill>
+          <a:blip r:embed="rId3"/>
+          <a:srcRect/>
+          <a:stretch/>
+        </p:blipFill>
+        <p:spPr>
+          <a:xfrm>
+            <a:off x="225" y="0"/>
+            <a:ext cx="12191550" cy="6857999"/>
+          </a:xfrm>
+        </p:spPr>
+      </p:pic>
+      <p:sp>
+        <p:nvSpPr>
+          <p:cNvPr id="4" name="Title 3">
+            <a:extLst>
+              <a:ext uri="{FF2B5EF4-FFF2-40B4-BE49-F238E27FC236}">
+                <a16:creationId xmlns:a16="http://schemas.microsoft.com/office/drawing/2014/main" id="{08347D8D-E852-43D5-858E-2D01BE57FA93}"/>
+              </a:ext>
+            </a:extLst>
+          </p:cNvPr>
+          <p:cNvSpPr>
+            <a:spLocks noGrp="1"/>
+          </p:cNvSpPr>
+          <p:nvPr>
+            <p:ph type="title"/>
+          </p:nvPr>
+        </p:nvSpPr>
+        <p:spPr>
+          <a:xfrm>
+            <a:off x="2498471" y="1824441"/>
+            <a:ext cx="6406192" cy="710985"/>
+          </a:xfrm>
+        </p:spPr>
+        <p:txBody>
+          <a:bodyPr anchor="t" anchorCtr="0">
+            <a:normAutofit/>
+          </a:bodyPr>
+          <a:lstStyle/>
+          <a:p>
+            <a:pPr algn="ctr" rtl="1"/>
+            <a:r>
+              <a:rPr lang="fa-IR" b="1" dirty="0">
+                <a:latin typeface="Arial" panose="020B0604020202020204" pitchFamily="34" charset="0"/>
+                <a:cs typeface="Arial" panose="020B0604020202020204" pitchFamily="34" charset="0"/>
+              </a:rPr>
+              <a:t>بحث و تبادل نظر</a:t>
+            </a:r>
+            <a:endParaRPr lang="en-US" dirty="0">
+              <a:latin typeface="Arial" panose="020B0604020202020204" pitchFamily="34" charset="0"/>
+              <a:cs typeface="Arial" panose="020B0604020202020204" pitchFamily="34" charset="0"/>
+            </a:endParaRPr>
+          </a:p>
+        </p:txBody>
+      </p:sp>
+      <p:pic>
+        <p:nvPicPr>
+          <p:cNvPr id="5" name="Picture 4">
+            <a:extLst>
+              <a:ext uri="{FF2B5EF4-FFF2-40B4-BE49-F238E27FC236}">
+                <a16:creationId xmlns:a16="http://schemas.microsoft.com/office/drawing/2014/main" id="{6C06CA84-DC6B-4236-A32C-0EC516E60342}"/>
+              </a:ext>
+            </a:extLst>
+          </p:cNvPr>
+          <p:cNvPicPr>
+            <a:picLocks noChangeAspect="1"/>
+          </p:cNvPicPr>
+          <p:nvPr/>
+        </p:nvPicPr>
+        <p:blipFill>
+          <a:blip r:embed="rId4">
+            <a:lum bright="70000" contrast="-70000"/>
+            <a:extLst>
+              <a:ext uri="{BEBA8EAE-BF5A-486C-A8C5-ECC9F3942E4B}">
+                <a14:imgProps xmlns:a14="http://schemas.microsoft.com/office/drawing/2010/main">
+                  <a14:imgLayer r:embed="rId5">
+                    <a14:imgEffect>
+                      <a14:colorTemperature colorTemp="4700"/>
+                    </a14:imgEffect>
+                    <a14:imgEffect>
+                      <a14:saturation sat="400000"/>
+                    </a14:imgEffect>
+                  </a14:imgLayer>
+                </a14:imgProps>
+              </a:ext>
+              <a:ext uri="{28A0092B-C50C-407E-A947-70E740481C1C}">
+                <a14:useLocalDpi xmlns:a14="http://schemas.microsoft.com/office/drawing/2010/main" val="0"/>
+              </a:ext>
+            </a:extLst>
+          </a:blip>
+          <a:stretch>
+            <a:fillRect/>
+          </a:stretch>
+        </p:blipFill>
+        <p:spPr>
+          <a:xfrm>
+            <a:off x="1" y="6077777"/>
+            <a:ext cx="939375" cy="720000"/>
+          </a:xfrm>
+          <a:prstGeom prst="rect">
+            <a:avLst/>
+          </a:prstGeom>
+          <a:noFill/>
+          <a:effectLst>
+            <a:outerShdw dist="50800" sx="1000" sy="1000" algn="ctr" rotWithShape="0">
+              <a:srgbClr val="000000"/>
+            </a:outerShdw>
+          </a:effectLst>
+        </p:spPr>
+      </p:pic>
+      <p:pic>
+        <p:nvPicPr>
+          <p:cNvPr id="6" name="Picture 5">
+            <a:extLst>
+              <a:ext uri="{FF2B5EF4-FFF2-40B4-BE49-F238E27FC236}">
+                <a16:creationId xmlns:a16="http://schemas.microsoft.com/office/drawing/2014/main" id="{41704874-D47D-43F6-A55F-186832C56800}"/>
+              </a:ext>
+            </a:extLst>
+          </p:cNvPr>
+          <p:cNvPicPr>
+            <a:picLocks noChangeAspect="1"/>
+          </p:cNvPicPr>
+          <p:nvPr/>
+        </p:nvPicPr>
+        <p:blipFill>
+          <a:blip r:embed="rId6">
+            <a:lum bright="70000" contrast="-70000"/>
+            <a:extLst>
+              <a:ext uri="{28A0092B-C50C-407E-A947-70E740481C1C}">
+                <a14:useLocalDpi xmlns:a14="http://schemas.microsoft.com/office/drawing/2010/main" val="0"/>
+              </a:ext>
+            </a:extLst>
+          </a:blip>
+          <a:stretch>
+            <a:fillRect/>
+          </a:stretch>
+        </p:blipFill>
+        <p:spPr>
+          <a:xfrm>
+            <a:off x="11293800" y="5943600"/>
+            <a:ext cx="882000" cy="900000"/>
+          </a:xfrm>
+          <a:prstGeom prst="rect">
+            <a:avLst/>
+          </a:prstGeom>
+        </p:spPr>
+      </p:pic>
+      <p:cxnSp>
+        <p:nvCxnSpPr>
+          <p:cNvPr id="7" name="Straight Connector 6">
+            <a:extLst>
+              <a:ext uri="{FF2B5EF4-FFF2-40B4-BE49-F238E27FC236}">
+                <a16:creationId xmlns:a16="http://schemas.microsoft.com/office/drawing/2014/main" id="{D8FD6BB2-B204-4C30-BAD8-D6317F622ED5}"/>
+              </a:ext>
+            </a:extLst>
+          </p:cNvPr>
+          <p:cNvCxnSpPr>
+            <a:cxnSpLocks/>
+          </p:cNvCxnSpPr>
+          <p:nvPr/>
+        </p:nvCxnSpPr>
+        <p:spPr>
+          <a:xfrm>
+            <a:off x="1043608" y="6442554"/>
+            <a:ext cx="10250192" cy="0"/>
+          </a:xfrm>
+          <a:prstGeom prst="line">
+            <a:avLst/>
+          </a:prstGeom>
+          <a:ln>
+            <a:solidFill>
+              <a:schemeClr val="bg1"/>
+            </a:solidFill>
+          </a:ln>
+        </p:spPr>
+        <p:style>
+          <a:lnRef idx="3">
+            <a:schemeClr val="dk1"/>
+          </a:lnRef>
+          <a:fillRef idx="0">
+            <a:schemeClr val="dk1"/>
+          </a:fillRef>
+          <a:effectRef idx="2">
+            <a:schemeClr val="dk1"/>
+          </a:effectRef>
+          <a:fontRef idx="minor">
+            <a:schemeClr val="tx1"/>
+          </a:fontRef>
+        </p:style>
+      </p:cxnSp>
+      <p:sp>
+        <p:nvSpPr>
+          <p:cNvPr id="3" name="TextBox 2">
+            <a:extLst>
+              <a:ext uri="{FF2B5EF4-FFF2-40B4-BE49-F238E27FC236}">
+                <a16:creationId xmlns:a16="http://schemas.microsoft.com/office/drawing/2014/main" id="{F5EDE8E1-AC7C-4332-A42B-EC72D94E38EB}"/>
+              </a:ext>
+            </a:extLst>
+          </p:cNvPr>
+          <p:cNvSpPr txBox="1"/>
+          <p:nvPr/>
+        </p:nvSpPr>
+        <p:spPr>
+          <a:xfrm>
+            <a:off x="1057067" y="6440014"/>
+            <a:ext cx="1036138" cy="369332"/>
+          </a:xfrm>
+          <a:prstGeom prst="rect">
+            <a:avLst/>
+          </a:prstGeom>
+          <a:noFill/>
+        </p:spPr>
+        <p:txBody>
+          <a:bodyPr wrap="square" rtlCol="0">
+            <a:spAutoFit/>
+          </a:bodyPr>
+          <a:lstStyle/>
+          <a:p>
+            <a:r>
+              <a:rPr lang="en-US" dirty="0">
+                <a:solidFill>
+                  <a:schemeClr val="bg1"/>
+                </a:solidFill>
+                <a:latin typeface="Arial" panose="020B0604020202020204" pitchFamily="34" charset="0"/>
+                <a:cs typeface="Arial" panose="020B0604020202020204" pitchFamily="34" charset="0"/>
+              </a:rPr>
+              <a:t>Page </a:t>
+            </a:r>
+            <a:fld id="{952DEA22-4A00-4F45-99E6-17DA84AD5B83}" type="slidenum">
+              <a:rPr lang="en-US" smtClean="0">
+                <a:solidFill>
+                  <a:schemeClr val="bg1"/>
+                </a:solidFill>
+                <a:latin typeface="Arial" panose="020B0604020202020204" pitchFamily="34" charset="0"/>
+                <a:cs typeface="Arial" panose="020B0604020202020204" pitchFamily="34" charset="0"/>
+              </a:rPr>
+              <a:pPr/>
+              <a:t>16</a:t>
+            </a:fld>
+            <a:endParaRPr lang="en-US" dirty="0">
+              <a:solidFill>
+                <a:schemeClr val="bg1"/>
+              </a:solidFill>
+              <a:latin typeface="Arial" panose="020B0604020202020204" pitchFamily="34" charset="0"/>
+              <a:cs typeface="Arial" panose="020B0604020202020204" pitchFamily="34" charset="0"/>
+            </a:endParaRPr>
+          </a:p>
+        </p:txBody>
+      </p:sp>
+      <p:sp>
+        <p:nvSpPr>
+          <p:cNvPr id="9" name="TextBox 8">
+            <a:extLst>
+              <a:ext uri="{FF2B5EF4-FFF2-40B4-BE49-F238E27FC236}">
+                <a16:creationId xmlns:a16="http://schemas.microsoft.com/office/drawing/2014/main" id="{E22A0E51-0EDA-4FEF-ACD7-A90FFE94E27F}"/>
+              </a:ext>
+            </a:extLst>
+          </p:cNvPr>
+          <p:cNvSpPr txBox="1"/>
+          <p:nvPr/>
+        </p:nvSpPr>
+        <p:spPr>
+          <a:xfrm>
+            <a:off x="8637224" y="6440014"/>
+            <a:ext cx="2455807" cy="369332"/>
+          </a:xfrm>
+          <a:prstGeom prst="rect">
+            <a:avLst/>
+          </a:prstGeom>
+          <a:noFill/>
+        </p:spPr>
+        <p:txBody>
+          <a:bodyPr wrap="square" rtlCol="0">
+            <a:spAutoFit/>
+          </a:bodyPr>
+          <a:lstStyle/>
+          <a:p>
+            <a:r>
+              <a:rPr lang="fa-IR" dirty="0">
+                <a:solidFill>
+                  <a:schemeClr val="bg1"/>
+                </a:solidFill>
+                <a:latin typeface="Arial" panose="020B0604020202020204" pitchFamily="34" charset="0"/>
+                <a:cs typeface="Arial" panose="020B0604020202020204" pitchFamily="34" charset="0"/>
+              </a:rPr>
+              <a:t>تهیه و تنظیم : سید حیدر علوی</a:t>
+            </a:r>
+            <a:endParaRPr lang="en-US" dirty="0">
+              <a:solidFill>
+                <a:schemeClr val="bg1"/>
+              </a:solidFill>
+              <a:latin typeface="Arial" panose="020B0604020202020204" pitchFamily="34" charset="0"/>
+              <a:cs typeface="Arial" panose="020B0604020202020204" pitchFamily="34" charset="0"/>
+            </a:endParaRPr>
+          </a:p>
+        </p:txBody>
+      </p:sp>
+      <p:sp>
+        <p:nvSpPr>
+          <p:cNvPr id="14" name="TextBox 13">
+            <a:extLst>
+              <a:ext uri="{FF2B5EF4-FFF2-40B4-BE49-F238E27FC236}">
+                <a16:creationId xmlns:a16="http://schemas.microsoft.com/office/drawing/2014/main" id="{C77DD4D0-EFFC-4FB5-8EC6-5C8B7D1CC2B0}"/>
+              </a:ext>
+            </a:extLst>
+          </p:cNvPr>
+          <p:cNvSpPr txBox="1"/>
+          <p:nvPr/>
+        </p:nvSpPr>
+        <p:spPr>
+          <a:xfrm>
+            <a:off x="5392788" y="6440014"/>
+            <a:ext cx="1328645" cy="369332"/>
+          </a:xfrm>
+          <a:prstGeom prst="rect">
+            <a:avLst/>
+          </a:prstGeom>
+          <a:noFill/>
+        </p:spPr>
+        <p:txBody>
+          <a:bodyPr wrap="square" rtlCol="0">
+            <a:spAutoFit/>
+          </a:bodyPr>
+          <a:lstStyle/>
+          <a:p>
+            <a:r>
+              <a:rPr lang="fa-IR" dirty="0">
+                <a:solidFill>
+                  <a:schemeClr val="bg1"/>
+                </a:solidFill>
+                <a:latin typeface="Arial" panose="020B0604020202020204" pitchFamily="34" charset="0"/>
+                <a:cs typeface="Arial" panose="020B0604020202020204" pitchFamily="34" charset="0"/>
+              </a:rPr>
+              <a:t>زمستان 1400</a:t>
+            </a:r>
+            <a:endParaRPr lang="en-US" dirty="0">
+              <a:solidFill>
+                <a:schemeClr val="bg1"/>
+              </a:solidFill>
+              <a:latin typeface="Arial" panose="020B0604020202020204" pitchFamily="34" charset="0"/>
+              <a:cs typeface="Arial" panose="020B0604020202020204" pitchFamily="34" charset="0"/>
+            </a:endParaRPr>
+          </a:p>
+        </p:txBody>
+      </p:sp>
+    </p:spTree>
+    <p:extLst>
+      <p:ext uri="{BB962C8B-B14F-4D97-AF65-F5344CB8AC3E}">
+        <p14:creationId xmlns:p14="http://schemas.microsoft.com/office/powerpoint/2010/main" val="201917010"/>
+      </p:ext>
+    </p:extLst>
+  </p:cSld>
+  <p:clrMapOvr>
+    <a:masterClrMapping/>
+  </p:clrMapOvr>
+  <mc:AlternateContent xmlns:mc="http://schemas.openxmlformats.org/markup-compatibility/2006">
+    <mc:Choice xmlns:p14="http://schemas.microsoft.com/office/powerpoint/2010/main" Requires="p14">
+      <p:transition spd="med" p14:dur="700" advClick="0">
+        <p:fade/>
+      </p:transition>
+    </mc:Choice>
+    <mc:Fallback>
+      <p:transition spd="med" advClick="0">
+        <p:fade/>
+      </p:transition>
+    </mc:Fallback>
+  </mc:AlternateContent>
+  <p:timing>
+    <p:tnLst>
+      <p:par>
+        <p:cTn id="1" dur="indefinite" restart="never" nodeType="tmRoot">
+          <p:childTnLst>
+            <p:seq concurrent="1" nextAc="seek">
+              <p:cTn id="2" dur="indefinite" nodeType="mainSeq">
+                <p:childTnLst>
+                  <p:par>
+                    <p:cTn id="3" fill="hold">
+                      <p:stCondLst>
+                        <p:cond delay="indefinite"/>
+                        <p:cond evt="onBegin" delay="0">
+                          <p:tn val="2"/>
+                        </p:cond>
+                      </p:stCondLst>
+                      <p:childTnLst>
+                        <p:par>
+                          <p:cTn id="4" fill="hold">
+                            <p:stCondLst>
+                              <p:cond delay="0"/>
+                            </p:stCondLst>
+                            <p:childTnLst>
+                              <p:par>
+                                <p:cTn id="5" presetID="10" presetClass="entr" presetSubtype="0" repeatCount="indefinite" fill="hold" grpId="0" nodeType="withEffect">
+                                  <p:stCondLst>
+                                    <p:cond delay="0"/>
+                                  </p:stCondLst>
+                                  <p:childTnLst>
+                                    <p:set>
+                                      <p:cBhvr>
+                                        <p:cTn id="6" dur="1" fill="hold">
+                                          <p:stCondLst>
+                                            <p:cond delay="0"/>
+                                          </p:stCondLst>
+                                        </p:cTn>
+                                        <p:tgtEl>
+                                          <p:spTgt spid="4"/>
+                                        </p:tgtEl>
+                                        <p:attrNameLst>
+                                          <p:attrName>style.visibility</p:attrName>
+                                        </p:attrNameLst>
+                                      </p:cBhvr>
+                                      <p:to>
+                                        <p:strVal val="visible"/>
+                                      </p:to>
+                                    </p:set>
+                                    <p:animEffect transition="in" filter="fade">
+                                      <p:cBhvr>
+                                        <p:cTn id="7" dur="5000"/>
+                                        <p:tgtEl>
+                                          <p:spTgt spid="4"/>
+                                        </p:tgtEl>
+                                      </p:cBhvr>
+                                    </p:animEffect>
+                                  </p:childTnLst>
+                                </p:cTn>
+                              </p:par>
+                            </p:childTnLst>
+                          </p:cTn>
+                        </p:par>
+                      </p:childTnLst>
+                    </p:cTn>
+                  </p:par>
+                </p:childTnLst>
+              </p:cTn>
+              <p:prevCondLst>
+                <p:cond evt="onPrev" delay="0">
+                  <p:tgtEl>
+                    <p:sldTgt/>
+                  </p:tgtEl>
+                </p:cond>
+              </p:prevCondLst>
+              <p:nextCondLst>
+                <p:cond evt="onNext" delay="0">
+                  <p:tgtEl>
+                    <p:sldTgt/>
+                  </p:tgtEl>
+                </p:cond>
+              </p:nextCondLst>
+            </p:seq>
+          </p:childTnLst>
+        </p:cTn>
+      </p:par>
+    </p:tnLst>
+    <p:bldLst>
+      <p:bldP spid="4" grpId="0"/>
+    </p:bldLst>
+  </p:timing>
+</p:sld>
+</file>
+
 <file path=ppt/slides/slide2.xml><?xml version="1.0" encoding="utf-8"?>
 <p:sld xmlns:a="http://schemas.openxmlformats.org/drawingml/2006/main" xmlns:r="http://schemas.openxmlformats.org/officeDocument/2006/relationships" xmlns:p="http://schemas.openxmlformats.org/presentationml/2006/main">
   <p:cSld>
@@ -12428,8 +13005,8 @@
         </p:blipFill>
         <p:spPr>
           <a:xfrm>
-            <a:off x="201728" y="1667407"/>
-            <a:ext cx="11672217" cy="4586217"/>
+            <a:off x="471055" y="1667407"/>
+            <a:ext cx="11111345" cy="4586217"/>
           </a:xfrm>
           <a:prstGeom prst="rect">
             <a:avLst/>
@@ -12958,8 +13535,8 @@
         </p:blipFill>
         <p:spPr>
           <a:xfrm>
-            <a:off x="1799714" y="873117"/>
-            <a:ext cx="7803706" cy="5571978"/>
+            <a:off x="1285461" y="873117"/>
+            <a:ext cx="7619202" cy="5571978"/>
           </a:xfrm>
           <a:prstGeom prst="rect">
             <a:avLst/>
@@ -13420,7 +13997,7 @@
         <p:spPr>
           <a:xfrm>
             <a:off x="1011451" y="873117"/>
-            <a:ext cx="6358736" cy="5571978"/>
+            <a:ext cx="6358736" cy="5571977"/>
           </a:xfrm>
           <a:prstGeom prst="rect">
             <a:avLst/>
@@ -14010,8 +14587,8 @@
         </p:blipFill>
         <p:spPr>
           <a:xfrm>
-            <a:off x="1087287" y="873117"/>
-            <a:ext cx="6207063" cy="5571978"/>
+            <a:off x="1087287" y="992945"/>
+            <a:ext cx="6207063" cy="5332321"/>
           </a:xfrm>
           <a:prstGeom prst="rect">
             <a:avLst/>
@@ -14601,8 +15178,8 @@
         </p:blipFill>
         <p:spPr>
           <a:xfrm>
-            <a:off x="1087287" y="956997"/>
-            <a:ext cx="6207063" cy="5404218"/>
+            <a:off x="1087287" y="992945"/>
+            <a:ext cx="6207063" cy="5332321"/>
           </a:xfrm>
           <a:prstGeom prst="rect">
             <a:avLst/>
@@ -15192,8 +15769,8 @@
         </p:blipFill>
         <p:spPr>
           <a:xfrm>
-            <a:off x="1107795" y="956997"/>
-            <a:ext cx="6166046" cy="5404218"/>
+            <a:off x="1107795" y="1010563"/>
+            <a:ext cx="6166046" cy="5297085"/>
           </a:xfrm>
           <a:prstGeom prst="rect">
             <a:avLst/>
@@ -15783,8 +16360,8 @@
         </p:blipFill>
         <p:spPr>
           <a:xfrm>
-            <a:off x="1107795" y="980804"/>
-            <a:ext cx="6166046" cy="5356603"/>
+            <a:off x="1107795" y="1028418"/>
+            <a:ext cx="6166046" cy="5261374"/>
           </a:xfrm>
           <a:prstGeom prst="rect">
             <a:avLst/>
@@ -16381,8 +16958,8 @@
         </p:blipFill>
         <p:spPr>
           <a:xfrm>
-            <a:off x="1148361" y="980804"/>
-            <a:ext cx="6084913" cy="5356603"/>
+            <a:off x="1148361" y="1045413"/>
+            <a:ext cx="6084913" cy="5227385"/>
           </a:xfrm>
           <a:prstGeom prst="rect">
             <a:avLst/>

--- a/presentasion/Feo_correction.pptx
+++ b/presentasion/Feo_correction.pptx
@@ -285,7 +285,7 @@
           <a:p>
             <a:fld id="{E54A69E4-EFBB-4687-8058-A94EE1B5781B}" type="datetimeFigureOut">
               <a:rPr lang="en-US" smtClean="0"/>
-              <a:t>2/25/2022</a:t>
+              <a:t>2/26/2022</a:t>
             </a:fld>
             <a:endParaRPr lang="en-US" dirty="0"/>
           </a:p>
@@ -462,7 +462,7 @@
           <a:p>
             <a:fld id="{CDE546B2-EB9C-4E9C-8793-C25F32D58B9A}" type="datetimeFigureOut">
               <a:rPr lang="en-US" smtClean="0"/>
-              <a:t>2/25/2022</a:t>
+              <a:t>2/26/2022</a:t>
             </a:fld>
             <a:endParaRPr lang="en-US" dirty="0"/>
           </a:p>
@@ -6050,7 +6050,7 @@
           <a:p>
             <a:fld id="{8F310904-DE8F-4B8E-99C6-5AFA03672FFA}" type="datetimeFigureOut">
               <a:rPr lang="en-US" smtClean="0"/>
-              <a:t>2/25/2022</a:t>
+              <a:t>2/26/2022</a:t>
             </a:fld>
             <a:endParaRPr lang="en-US" dirty="0"/>
           </a:p>
@@ -6581,7 +6581,7 @@
           <a:p>
             <a:fld id="{8F310904-DE8F-4B8E-99C6-5AFA03672FFA}" type="datetimeFigureOut">
               <a:rPr lang="en-US" smtClean="0"/>
-              <a:t>2/25/2022</a:t>
+              <a:t>2/26/2022</a:t>
             </a:fld>
             <a:endParaRPr lang="en-US" dirty="0"/>
           </a:p>
@@ -7109,7 +7109,7 @@
           <a:p>
             <a:fld id="{8F310904-DE8F-4B8E-99C6-5AFA03672FFA}" type="datetimeFigureOut">
               <a:rPr lang="en-US" smtClean="0"/>
-              <a:t>2/25/2022</a:t>
+              <a:t>2/26/2022</a:t>
             </a:fld>
             <a:endParaRPr lang="en-US" dirty="0"/>
           </a:p>
@@ -7637,7 +7637,7 @@
           <a:p>
             <a:fld id="{8F310904-DE8F-4B8E-99C6-5AFA03672FFA}" type="datetimeFigureOut">
               <a:rPr lang="en-US" smtClean="0"/>
-              <a:t>2/25/2022</a:t>
+              <a:t>2/26/2022</a:t>
             </a:fld>
             <a:endParaRPr lang="en-US" dirty="0"/>
           </a:p>
@@ -12501,13 +12501,13 @@
   <p:clrMapOvr>
     <a:masterClrMapping/>
   </p:clrMapOvr>
-  <mc:AlternateContent xmlns:mc="http://schemas.openxmlformats.org/markup-compatibility/2006">
-    <mc:Choice xmlns:p14="http://schemas.microsoft.com/office/powerpoint/2010/main" Requires="p14">
+  <mc:AlternateContent xmlns:mc="http://schemas.openxmlformats.org/markup-compatibility/2006" xmlns:p14="http://schemas.microsoft.com/office/powerpoint/2010/main">
+    <mc:Choice Requires="p14">
       <p:transition spd="med" p14:dur="700" advClick="0">
         <p:fade/>
       </p:transition>
     </mc:Choice>
-    <mc:Fallback>
+    <mc:Fallback xmlns="">
       <p:transition spd="med" advClick="0">
         <p:fade/>
       </p:transition>
